--- a/methane protocol/output/uncertainty_summary_methane_protocol.pptx
+++ b/methane protocol/output/uncertainty_summary_methane_protocol.pptx
@@ -5,10 +5,10 @@
     <p:sldMasterId id="2147483648" r:id="rId1"/>
   </p:sldMasterIdLst>
   <p:notesMasterIdLst>
-    <p:notesMasterId r:id="rId10"/>
+    <p:notesMasterId r:id="rId11"/>
   </p:notesMasterIdLst>
   <p:handoutMasterIdLst>
-    <p:handoutMasterId r:id="rId11"/>
+    <p:handoutMasterId r:id="rId12"/>
   </p:handoutMasterIdLst>
   <p:sldIdLst>
     <p:sldId id="261" r:id="rId2"/>
@@ -18,43 +18,44 @@
     <p:sldId id="266" r:id="rId6"/>
     <p:sldId id="267" r:id="rId7"/>
     <p:sldId id="268" r:id="rId8"/>
-    <p:sldId id="260" r:id="rId9"/>
+    <p:sldId id="269" r:id="rId9"/>
+    <p:sldId id="260" r:id="rId10"/>
   </p:sldIdLst>
   <p:sldSz cx="12188825" cy="6858000"/>
   <p:notesSz cx="6797675" cy="9926638"/>
   <p:embeddedFontLst>
     <p:embeddedFont>
       <p:font typeface="AU Passata" panose="020B0503030502030804" pitchFamily="34" charset="0"/>
-      <p:regular r:id="rId12"/>
-      <p:bold r:id="rId13"/>
+      <p:regular r:id="rId13"/>
+      <p:bold r:id="rId14"/>
     </p:embeddedFont>
     <p:embeddedFont>
       <p:font typeface="AU Passata Light" panose="020B0303030902030804" pitchFamily="34" charset="0"/>
-      <p:regular r:id="rId14"/>
-      <p:bold r:id="rId15"/>
+      <p:regular r:id="rId15"/>
+      <p:bold r:id="rId16"/>
     </p:embeddedFont>
     <p:embeddedFont>
       <p:font typeface="AU Peto" panose="040C0B07020602020301" pitchFamily="82" charset="0"/>
-      <p:regular r:id="rId16"/>
-      <p:bold r:id="rId17"/>
+      <p:regular r:id="rId17"/>
+      <p:bold r:id="rId18"/>
     </p:embeddedFont>
     <p:embeddedFont>
       <p:font typeface="Calibri" panose="020F0502020204030204" pitchFamily="34" charset="0"/>
-      <p:regular r:id="rId18"/>
-      <p:bold r:id="rId19"/>
-      <p:italic r:id="rId20"/>
-      <p:boldItalic r:id="rId21"/>
+      <p:regular r:id="rId19"/>
+      <p:bold r:id="rId20"/>
+      <p:italic r:id="rId21"/>
+      <p:boldItalic r:id="rId22"/>
     </p:embeddedFont>
     <p:embeddedFont>
       <p:font typeface="Georgia" panose="02040502050405020303" pitchFamily="18" charset="0"/>
-      <p:regular r:id="rId22"/>
-      <p:bold r:id="rId23"/>
-      <p:italic r:id="rId24"/>
-      <p:boldItalic r:id="rId25"/>
+      <p:regular r:id="rId23"/>
+      <p:bold r:id="rId24"/>
+      <p:italic r:id="rId25"/>
+      <p:boldItalic r:id="rId26"/>
     </p:embeddedFont>
     <p:embeddedFont>
       <p:font typeface="Wingdings 3" panose="05040102010807070707" pitchFamily="18" charset="2"/>
-      <p:regular r:id="rId26"/>
+      <p:regular r:id="rId27"/>
     </p:embeddedFont>
   </p:embeddedFontLst>
   <p:defaultTextStyle>
@@ -224,14 +225,6 @@
 </p:presentation>
 </file>
 
-<file path=ppt/revisionInfo.xml><?xml version="1.0" encoding="utf-8"?>
-<p1510:revInfo xmlns:a="http://schemas.openxmlformats.org/drawingml/2006/main" xmlns:r="http://schemas.openxmlformats.org/officeDocument/2006/relationships" xmlns:p1510="http://schemas.microsoft.com/office/powerpoint/2015/10/main">
-  <p1510:revLst>
-    <p1510:client id="{39D31366-52A3-4838-9713-FA85576AE247}" v="1" dt="2023-10-03T08:07:28.665"/>
-  </p1510:revLst>
-</p1510:revInfo>
-</file>
-
 <file path=ppt/handoutMasters/handoutMaster1.xml><?xml version="1.0" encoding="utf-8"?>
 <p:handoutMaster xmlns:a="http://schemas.openxmlformats.org/drawingml/2006/main" xmlns:r="http://schemas.openxmlformats.org/officeDocument/2006/relationships" xmlns:p="http://schemas.openxmlformats.org/presentationml/2006/main">
   <p:cSld>
@@ -1109,7 +1102,7 @@
               <a:pPr>
                 <a:defRPr/>
               </a:pPr>
-              <a:t>8</a:t>
+              <a:t>9</a:t>
             </a:fld>
             <a:endParaRPr lang="en-GB" dirty="0"/>
           </a:p>
@@ -1736,7 +1729,7 @@
             <a:fld id="{78417F83-4CBA-48F2-BAD0-783AE3701E32}" type="datetimeFigureOut">
               <a:rPr lang="da-DK" smtClean="0"/>
               <a:pPr/>
-              <a:t>03-10-2023</a:t>
+              <a:t>11-10-2023</a:t>
             </a:fld>
             <a:r>
               <a:rPr lang="da-DK" dirty="0"/>
@@ -1946,7 +1939,7 @@
             <a:fld id="{78417F83-4CBA-48F2-BAD0-783AE3701E32}" type="datetimeFigureOut">
               <a:rPr lang="da-DK" smtClean="0"/>
               <a:pPr/>
-              <a:t>03-10-2023</a:t>
+              <a:t>11-10-2023</a:t>
             </a:fld>
             <a:r>
               <a:rPr lang="da-DK" dirty="0"/>
@@ -2187,7 +2180,7 @@
             <a:fld id="{78417F83-4CBA-48F2-BAD0-783AE3701E32}" type="datetimeFigureOut">
               <a:rPr lang="da-DK" smtClean="0"/>
               <a:pPr/>
-              <a:t>03-10-2023</a:t>
+              <a:t>11-10-2023</a:t>
             </a:fld>
             <a:r>
               <a:rPr lang="da-DK" dirty="0"/>
@@ -2357,7 +2350,7 @@
             <a:fld id="{78417F83-4CBA-48F2-BAD0-783AE3701E32}" type="datetimeFigureOut">
               <a:rPr lang="da-DK" smtClean="0"/>
               <a:pPr/>
-              <a:t>03-10-2023</a:t>
+              <a:t>11-10-2023</a:t>
             </a:fld>
             <a:r>
               <a:rPr lang="da-DK" dirty="0"/>
@@ -2531,7 +2524,7 @@
             <a:fld id="{78417F83-4CBA-48F2-BAD0-783AE3701E32}" type="datetimeFigureOut">
               <a:rPr lang="da-DK" smtClean="0"/>
               <a:pPr/>
-              <a:t>03-10-2023</a:t>
+              <a:t>11-10-2023</a:t>
             </a:fld>
             <a:r>
               <a:rPr lang="da-DK" dirty="0"/>
@@ -2868,7 +2861,7 @@
             <a:fld id="{78417F83-4CBA-48F2-BAD0-783AE3701E32}" type="datetimeFigureOut">
               <a:rPr lang="da-DK" smtClean="0"/>
               <a:pPr/>
-              <a:t>03-10-2023</a:t>
+              <a:t>11-10-2023</a:t>
             </a:fld>
             <a:r>
               <a:rPr lang="da-DK" dirty="0"/>
@@ -3039,7 +3032,7 @@
             <a:fld id="{78417F83-4CBA-48F2-BAD0-783AE3701E32}" type="datetimeFigureOut">
               <a:rPr lang="da-DK" smtClean="0"/>
               <a:pPr/>
-              <a:t>03-10-2023</a:t>
+              <a:t>11-10-2023</a:t>
             </a:fld>
             <a:r>
               <a:rPr lang="da-DK" dirty="0"/>
@@ -3235,7 +3228,7 @@
             <a:fld id="{78417F83-4CBA-48F2-BAD0-783AE3701E32}" type="datetimeFigureOut">
               <a:rPr lang="da-DK" smtClean="0"/>
               <a:pPr/>
-              <a:t>03-10-2023</a:t>
+              <a:t>11-10-2023</a:t>
             </a:fld>
             <a:r>
               <a:rPr lang="da-DK" dirty="0"/>
@@ -3404,7 +3397,7 @@
             <a:fld id="{78417F83-4CBA-48F2-BAD0-783AE3701E32}" type="datetimeFigureOut">
               <a:rPr lang="da-DK" smtClean="0"/>
               <a:pPr/>
-              <a:t>03-10-2023</a:t>
+              <a:t>11-10-2023</a:t>
             </a:fld>
             <a:r>
               <a:rPr lang="da-DK" dirty="0"/>
@@ -3558,7 +3551,7 @@
             <a:fld id="{78417F83-4CBA-48F2-BAD0-783AE3701E32}" type="datetimeFigureOut">
               <a:rPr lang="da-DK" smtClean="0"/>
               <a:pPr/>
-              <a:t>03-10-2023</a:t>
+              <a:t>11-10-2023</a:t>
             </a:fld>
             <a:r>
               <a:rPr lang="da-DK" dirty="0"/>
@@ -4447,7 +4440,7 @@
             <a:fld id="{78417F83-4CBA-48F2-BAD0-783AE3701E32}" type="datetimeFigureOut">
               <a:rPr lang="da-DK" smtClean="0"/>
               <a:pPr/>
-              <a:t>03-10-2023</a:t>
+              <a:t>11-10-2023</a:t>
             </a:fld>
             <a:r>
               <a:rPr lang="da-DK" dirty="0"/>
@@ -5263,7 +5256,7 @@
             <a:fld id="{78417F83-4CBA-48F2-BAD0-783AE3701E32}" type="datetimeFigureOut">
               <a:rPr lang="da-DK" smtClean="0"/>
               <a:pPr/>
-              <a:t>03-10-2023</a:t>
+              <a:t>11-10-2023</a:t>
             </a:fld>
             <a:r>
               <a:rPr lang="da-DK" dirty="0"/>
@@ -5493,7 +5486,7 @@
             <a:fld id="{78417F83-4CBA-48F2-BAD0-783AE3701E32}" type="datetimeFigureOut">
               <a:rPr lang="da-DK" smtClean="0"/>
               <a:pPr/>
-              <a:t>03-10-2023</a:t>
+              <a:t>11-10-2023</a:t>
             </a:fld>
             <a:r>
               <a:rPr lang="da-DK" dirty="0"/>
@@ -6199,7 +6192,7 @@
             <a:fld id="{78417F83-4CBA-48F2-BAD0-783AE3701E32}" type="datetimeFigureOut">
               <a:rPr lang="da-DK" smtClean="0"/>
               <a:pPr/>
-              <a:t>03-10-2023</a:t>
+              <a:t>11-10-2023</a:t>
             </a:fld>
             <a:r>
               <a:rPr lang="da-DK" dirty="0"/>
@@ -6490,7 +6483,7 @@
             <a:fld id="{78417F83-4CBA-48F2-BAD0-783AE3701E32}" type="datetimeFigureOut">
               <a:rPr lang="da-DK" smtClean="0"/>
               <a:pPr/>
-              <a:t>03-10-2023</a:t>
+              <a:t>11-10-2023</a:t>
             </a:fld>
             <a:r>
               <a:rPr lang="da-DK" dirty="0"/>
@@ -6864,7 +6857,7 @@
             <a:fld id="{78417F83-4CBA-48F2-BAD0-783AE3701E32}" type="datetimeFigureOut">
               <a:rPr lang="da-DK" smtClean="0"/>
               <a:pPr/>
-              <a:t>03-10-2023</a:t>
+              <a:t>11-10-2023</a:t>
             </a:fld>
             <a:r>
               <a:rPr lang="da-DK" dirty="0"/>
@@ -7291,7 +7284,7 @@
             <a:fld id="{78417F83-4CBA-48F2-BAD0-783AE3701E32}" type="datetimeFigureOut">
               <a:rPr lang="da-DK" smtClean="0"/>
               <a:pPr/>
-              <a:t>03-10-2023</a:t>
+              <a:t>11-10-2023</a:t>
             </a:fld>
             <a:r>
               <a:rPr lang="da-DK" dirty="0"/>
@@ -7731,7 +7724,7 @@
             <a:fld id="{78417F83-4CBA-48F2-BAD0-783AE3701E32}" type="datetimeFigureOut">
               <a:rPr lang="da-DK" smtClean="0"/>
               <a:pPr/>
-              <a:t>03-10-2023</a:t>
+              <a:t>11-10-2023</a:t>
             </a:fld>
             <a:r>
               <a:rPr lang="da-DK" dirty="0"/>
@@ -7899,7 +7892,7 @@
             <a:fld id="{78417F83-4CBA-48F2-BAD0-783AE3701E32}" type="datetimeFigureOut">
               <a:rPr lang="da-DK" smtClean="0"/>
               <a:pPr/>
-              <a:t>03-10-2023</a:t>
+              <a:t>11-10-2023</a:t>
             </a:fld>
             <a:r>
               <a:rPr lang="da-DK" dirty="0"/>
@@ -8080,7 +8073,7 @@
             <a:fld id="{78417F83-4CBA-48F2-BAD0-783AE3701E32}" type="datetimeFigureOut">
               <a:rPr lang="da-DK" smtClean="0"/>
               <a:pPr/>
-              <a:t>03-10-2023</a:t>
+              <a:t>11-10-2023</a:t>
             </a:fld>
             <a:r>
               <a:rPr lang="da-DK" dirty="0"/>
@@ -8852,7 +8845,7 @@
             <a:fld id="{78417F83-4CBA-48F2-BAD0-783AE3701E32}" type="datetimeFigureOut">
               <a:rPr lang="da-DK" smtClean="0"/>
               <a:pPr/>
-              <a:t>03-10-2023</a:t>
+              <a:t>11-10-2023</a:t>
             </a:fld>
             <a:r>
               <a:rPr lang="da-DK"/>
@@ -9797,7 +9790,7 @@
           <a:p>
             <a:fld id="{EBD85B7D-E9A5-49E0-8ACF-AF93CE3E556F}" type="datetime1">
               <a:rPr lang="da-DK" smtClean="0"/>
-              <a:t>03-10-2023</a:t>
+              <a:t>11-10-2023</a:t>
             </a:fld>
             <a:r>
               <a:rPr lang="da-DK" dirty="0"/>
@@ -10238,7 +10231,7 @@
           <a:p>
             <a:fld id="{4BF94E91-6E7A-4AA0-A25C-714F49C81472}" type="datetime1">
               <a:rPr lang="da-DK" smtClean="0"/>
-              <a:t>03-10-2023</a:t>
+              <a:t>11-10-2023</a:t>
             </a:fld>
             <a:r>
               <a:rPr lang="da-DK"/>
@@ -11187,7 +11180,7 @@
           <a:p>
             <a:fld id="{E3B430D7-EF49-4643-88D7-2AEAAD16714B}" type="datetime1">
               <a:rPr lang="da-DK" smtClean="0"/>
-              <a:t>03-10-2023</a:t>
+              <a:t>11-10-2023</a:t>
             </a:fld>
             <a:r>
               <a:rPr lang="da-DK"/>
@@ -11280,7 +11273,7 @@
           <a:p>
             <a:fld id="{D6BBDA92-EB48-4DC7-91ED-E3E7CCB77BFC}" type="datetime1">
               <a:rPr lang="da-DK" smtClean="0"/>
-              <a:t>03-10-2023</a:t>
+              <a:t>11-10-2023</a:t>
             </a:fld>
             <a:r>
               <a:rPr lang="da-DK"/>
@@ -12443,7 +12436,7 @@
           <a:p>
             <a:fld id="{61DEE78D-3D31-4E40-B75A-2A2E3EF538B5}" type="datetime1">
               <a:rPr lang="da-DK" smtClean="0"/>
-              <a:t>03-10-2023</a:t>
+              <a:t>11-10-2023</a:t>
             </a:fld>
             <a:r>
               <a:rPr lang="da-DK"/>
@@ -12539,6 +12532,99 @@
 </file>
 
 <file path=ppt/slides/slide8.xml><?xml version="1.0" encoding="utf-8"?>
+<p:sld xmlns:a="http://schemas.openxmlformats.org/drawingml/2006/main" xmlns:r="http://schemas.openxmlformats.org/officeDocument/2006/relationships" xmlns:p="http://schemas.openxmlformats.org/presentationml/2006/main">
+  <p:cSld>
+    <p:spTree>
+      <p:nvGrpSpPr>
+        <p:cNvPr id="1" name=""/>
+        <p:cNvGrpSpPr/>
+        <p:nvPr/>
+      </p:nvGrpSpPr>
+      <p:grpSpPr>
+        <a:xfrm>
+          <a:off x="0" y="0"/>
+          <a:ext cx="0" cy="0"/>
+          <a:chOff x="0" y="0"/>
+          <a:chExt cx="0" cy="0"/>
+        </a:xfrm>
+      </p:grpSpPr>
+      <p:sp>
+        <p:nvSpPr>
+          <p:cNvPr id="2" name="Date Placeholder 1">
+            <a:extLst>
+              <a:ext uri="{FF2B5EF4-FFF2-40B4-BE49-F238E27FC236}">
+                <a16:creationId xmlns:a16="http://schemas.microsoft.com/office/drawing/2014/main" id="{133B6561-C461-57AE-4370-877488811F7F}"/>
+              </a:ext>
+            </a:extLst>
+          </p:cNvPr>
+          <p:cNvSpPr>
+            <a:spLocks noGrp="1"/>
+          </p:cNvSpPr>
+          <p:nvPr>
+            <p:ph type="dt" sz="half" idx="13"/>
+          </p:nvPr>
+        </p:nvSpPr>
+        <p:spPr/>
+        <p:txBody>
+          <a:bodyPr/>
+          <a:lstStyle/>
+          <a:p>
+            <a:fld id="{5A30FEB8-7B23-4E3E-83A8-1D0D4284E56B}" type="datetime1">
+              <a:rPr lang="da-DK" smtClean="0"/>
+              <a:t>11-10-2023</a:t>
+            </a:fld>
+            <a:r>
+              <a:rPr lang="da-DK"/>
+              <a:t>20-09-2023</a:t>
+            </a:r>
+            <a:endParaRPr lang="da-DK" dirty="0"/>
+          </a:p>
+        </p:txBody>
+      </p:sp>
+      <p:pic>
+        <p:nvPicPr>
+          <p:cNvPr id="7" name="Picture 6">
+            <a:extLst>
+              <a:ext uri="{FF2B5EF4-FFF2-40B4-BE49-F238E27FC236}">
+                <a16:creationId xmlns:a16="http://schemas.microsoft.com/office/drawing/2014/main" id="{89F7F190-DEB8-C75B-CA77-1F1D56F56106}"/>
+              </a:ext>
+            </a:extLst>
+          </p:cNvPr>
+          <p:cNvPicPr>
+            <a:picLocks noChangeAspect="1"/>
+          </p:cNvPicPr>
+          <p:nvPr/>
+        </p:nvPicPr>
+        <p:blipFill>
+          <a:blip r:embed="rId2"/>
+          <a:stretch>
+            <a:fillRect/>
+          </a:stretch>
+        </p:blipFill>
+        <p:spPr>
+          <a:xfrm>
+            <a:off x="2593204" y="528232"/>
+            <a:ext cx="5706271" cy="5801535"/>
+          </a:xfrm>
+          <a:prstGeom prst="rect">
+            <a:avLst/>
+          </a:prstGeom>
+        </p:spPr>
+      </p:pic>
+    </p:spTree>
+    <p:extLst>
+      <p:ext uri="{BB962C8B-B14F-4D97-AF65-F5344CB8AC3E}">
+        <p14:creationId xmlns:p14="http://schemas.microsoft.com/office/powerpoint/2010/main" val="2802508222"/>
+      </p:ext>
+    </p:extLst>
+  </p:cSld>
+  <p:clrMapOvr>
+    <a:masterClrMapping/>
+  </p:clrMapOvr>
+</p:sld>
+</file>
+
+<file path=ppt/slides/slide9.xml><?xml version="1.0" encoding="utf-8"?>
 <p:sld xmlns:a="http://schemas.openxmlformats.org/drawingml/2006/main" xmlns:r="http://schemas.openxmlformats.org/officeDocument/2006/relationships" xmlns:p="http://schemas.openxmlformats.org/presentationml/2006/main">
   <p:cSld>
     <p:spTree>
